--- a/docs/lectures/lecture_10/10_01_lecture_powerpoint.pptx
+++ b/docs/lectures/lecture_10/10_01_lecture_powerpoint.pptx
@@ -3328,7 +3328,7 @@
             </a:pPr>
             <a:r>
               <a:rPr/>
-              <a:t>Lecture 10 - REgression and Linear Models</a:t>
+              <a:t>Lecture 10 - Regression and Linear Models</a:t>
             </a:r>
           </a:p>
         </p:txBody>
